--- a/Mine/cRIO Learning.pptx
+++ b/Mine/cRIO Learning.pptx
@@ -6,6 +6,7 @@
   </p:sldMasterIdLst>
   <p:sldIdLst>
     <p:sldId id="256" r:id="rId2"/>
+    <p:sldId id="257" r:id="rId3"/>
   </p:sldIdLst>
   <p:sldSz cx="9144000" cy="6858000" type="screen4x3"/>
   <p:notesSz cx="6858000" cy="9144000"/>
@@ -288,7 +289,8 @@
           <a:p>
             <a:fld id="{68BACD4C-0BDD-497E-AFA0-22E03272C46A}" type="datetimeFigureOut">
               <a:rPr lang="en-US" smtClean="0"/>
-              <a:t>6/22/2015</a:t>
+              <a:pPr/>
+              <a:t>6/24/2015</a:t>
             </a:fld>
             <a:endParaRPr lang="en-US"/>
           </a:p>
@@ -330,6 +332,7 @@
           <a:p>
             <a:fld id="{34ED7C52-A695-4F66-8DA9-69EEADCCFCE4}" type="slidenum">
               <a:rPr lang="en-US" smtClean="0"/>
+              <a:pPr/>
               <a:t>‹#›</a:t>
             </a:fld>
             <a:endParaRPr lang="en-US"/>
@@ -453,7 +456,8 @@
           <a:p>
             <a:fld id="{68BACD4C-0BDD-497E-AFA0-22E03272C46A}" type="datetimeFigureOut">
               <a:rPr lang="en-US" smtClean="0"/>
-              <a:t>6/22/2015</a:t>
+              <a:pPr/>
+              <a:t>6/24/2015</a:t>
             </a:fld>
             <a:endParaRPr lang="en-US"/>
           </a:p>
@@ -495,6 +499,7 @@
           <a:p>
             <a:fld id="{34ED7C52-A695-4F66-8DA9-69EEADCCFCE4}" type="slidenum">
               <a:rPr lang="en-US" smtClean="0"/>
+              <a:pPr/>
               <a:t>‹#›</a:t>
             </a:fld>
             <a:endParaRPr lang="en-US"/>
@@ -628,7 +633,8 @@
           <a:p>
             <a:fld id="{68BACD4C-0BDD-497E-AFA0-22E03272C46A}" type="datetimeFigureOut">
               <a:rPr lang="en-US" smtClean="0"/>
-              <a:t>6/22/2015</a:t>
+              <a:pPr/>
+              <a:t>6/24/2015</a:t>
             </a:fld>
             <a:endParaRPr lang="en-US"/>
           </a:p>
@@ -670,6 +676,7 @@
           <a:p>
             <a:fld id="{34ED7C52-A695-4F66-8DA9-69EEADCCFCE4}" type="slidenum">
               <a:rPr lang="en-US" smtClean="0"/>
+              <a:pPr/>
               <a:t>‹#›</a:t>
             </a:fld>
             <a:endParaRPr lang="en-US"/>
@@ -793,7 +800,8 @@
           <a:p>
             <a:fld id="{68BACD4C-0BDD-497E-AFA0-22E03272C46A}" type="datetimeFigureOut">
               <a:rPr lang="en-US" smtClean="0"/>
-              <a:t>6/22/2015</a:t>
+              <a:pPr/>
+              <a:t>6/24/2015</a:t>
             </a:fld>
             <a:endParaRPr lang="en-US"/>
           </a:p>
@@ -835,6 +843,7 @@
           <a:p>
             <a:fld id="{34ED7C52-A695-4F66-8DA9-69EEADCCFCE4}" type="slidenum">
               <a:rPr lang="en-US" smtClean="0"/>
+              <a:pPr/>
               <a:t>‹#›</a:t>
             </a:fld>
             <a:endParaRPr lang="en-US"/>
@@ -1034,7 +1043,8 @@
           <a:p>
             <a:fld id="{68BACD4C-0BDD-497E-AFA0-22E03272C46A}" type="datetimeFigureOut">
               <a:rPr lang="en-US" smtClean="0"/>
-              <a:t>6/22/2015</a:t>
+              <a:pPr/>
+              <a:t>6/24/2015</a:t>
             </a:fld>
             <a:endParaRPr lang="en-US"/>
           </a:p>
@@ -1076,6 +1086,7 @@
           <a:p>
             <a:fld id="{34ED7C52-A695-4F66-8DA9-69EEADCCFCE4}" type="slidenum">
               <a:rPr lang="en-US" smtClean="0"/>
+              <a:pPr/>
               <a:t>‹#›</a:t>
             </a:fld>
             <a:endParaRPr lang="en-US"/>
@@ -1317,7 +1328,8 @@
           <a:p>
             <a:fld id="{68BACD4C-0BDD-497E-AFA0-22E03272C46A}" type="datetimeFigureOut">
               <a:rPr lang="en-US" smtClean="0"/>
-              <a:t>6/22/2015</a:t>
+              <a:pPr/>
+              <a:t>6/24/2015</a:t>
             </a:fld>
             <a:endParaRPr lang="en-US"/>
           </a:p>
@@ -1359,6 +1371,7 @@
           <a:p>
             <a:fld id="{34ED7C52-A695-4F66-8DA9-69EEADCCFCE4}" type="slidenum">
               <a:rPr lang="en-US" smtClean="0"/>
+              <a:pPr/>
               <a:t>‹#›</a:t>
             </a:fld>
             <a:endParaRPr lang="en-US"/>
@@ -1734,7 +1747,8 @@
           <a:p>
             <a:fld id="{68BACD4C-0BDD-497E-AFA0-22E03272C46A}" type="datetimeFigureOut">
               <a:rPr lang="en-US" smtClean="0"/>
-              <a:t>6/22/2015</a:t>
+              <a:pPr/>
+              <a:t>6/24/2015</a:t>
             </a:fld>
             <a:endParaRPr lang="en-US"/>
           </a:p>
@@ -1776,6 +1790,7 @@
           <a:p>
             <a:fld id="{34ED7C52-A695-4F66-8DA9-69EEADCCFCE4}" type="slidenum">
               <a:rPr lang="en-US" smtClean="0"/>
+              <a:pPr/>
               <a:t>‹#›</a:t>
             </a:fld>
             <a:endParaRPr lang="en-US"/>
@@ -1847,7 +1862,8 @@
           <a:p>
             <a:fld id="{68BACD4C-0BDD-497E-AFA0-22E03272C46A}" type="datetimeFigureOut">
               <a:rPr lang="en-US" smtClean="0"/>
-              <a:t>6/22/2015</a:t>
+              <a:pPr/>
+              <a:t>6/24/2015</a:t>
             </a:fld>
             <a:endParaRPr lang="en-US"/>
           </a:p>
@@ -1889,6 +1905,7 @@
           <a:p>
             <a:fld id="{34ED7C52-A695-4F66-8DA9-69EEADCCFCE4}" type="slidenum">
               <a:rPr lang="en-US" smtClean="0"/>
+              <a:pPr/>
               <a:t>‹#›</a:t>
             </a:fld>
             <a:endParaRPr lang="en-US"/>
@@ -1937,7 +1954,8 @@
           <a:p>
             <a:fld id="{68BACD4C-0BDD-497E-AFA0-22E03272C46A}" type="datetimeFigureOut">
               <a:rPr lang="en-US" smtClean="0"/>
-              <a:t>6/22/2015</a:t>
+              <a:pPr/>
+              <a:t>6/24/2015</a:t>
             </a:fld>
             <a:endParaRPr lang="en-US"/>
           </a:p>
@@ -1979,6 +1997,7 @@
           <a:p>
             <a:fld id="{34ED7C52-A695-4F66-8DA9-69EEADCCFCE4}" type="slidenum">
               <a:rPr lang="en-US" smtClean="0"/>
+              <a:pPr/>
               <a:t>‹#›</a:t>
             </a:fld>
             <a:endParaRPr lang="en-US"/>
@@ -2209,7 +2228,8 @@
           <a:p>
             <a:fld id="{68BACD4C-0BDD-497E-AFA0-22E03272C46A}" type="datetimeFigureOut">
               <a:rPr lang="en-US" smtClean="0"/>
-              <a:t>6/22/2015</a:t>
+              <a:pPr/>
+              <a:t>6/24/2015</a:t>
             </a:fld>
             <a:endParaRPr lang="en-US"/>
           </a:p>
@@ -2251,6 +2271,7 @@
           <a:p>
             <a:fld id="{34ED7C52-A695-4F66-8DA9-69EEADCCFCE4}" type="slidenum">
               <a:rPr lang="en-US" smtClean="0"/>
+              <a:pPr/>
               <a:t>‹#›</a:t>
             </a:fld>
             <a:endParaRPr lang="en-US"/>
@@ -2457,7 +2478,8 @@
           <a:p>
             <a:fld id="{68BACD4C-0BDD-497E-AFA0-22E03272C46A}" type="datetimeFigureOut">
               <a:rPr lang="en-US" smtClean="0"/>
-              <a:t>6/22/2015</a:t>
+              <a:pPr/>
+              <a:t>6/24/2015</a:t>
             </a:fld>
             <a:endParaRPr lang="en-US"/>
           </a:p>
@@ -2499,6 +2521,7 @@
           <a:p>
             <a:fld id="{34ED7C52-A695-4F66-8DA9-69EEADCCFCE4}" type="slidenum">
               <a:rPr lang="en-US" smtClean="0"/>
+              <a:pPr/>
               <a:t>‹#›</a:t>
             </a:fld>
             <a:endParaRPr lang="en-US"/>
@@ -2665,7 +2688,8 @@
           <a:p>
             <a:fld id="{68BACD4C-0BDD-497E-AFA0-22E03272C46A}" type="datetimeFigureOut">
               <a:rPr lang="en-US" smtClean="0"/>
-              <a:t>6/22/2015</a:t>
+              <a:pPr/>
+              <a:t>6/24/2015</a:t>
             </a:fld>
             <a:endParaRPr lang="en-US"/>
           </a:p>
@@ -2743,6 +2767,7 @@
           <a:p>
             <a:fld id="{34ED7C52-A695-4F66-8DA9-69EEADCCFCE4}" type="slidenum">
               <a:rPr lang="en-US" smtClean="0"/>
+              <a:pPr/>
               <a:t>‹#›</a:t>
             </a:fld>
             <a:endParaRPr lang="en-US"/>
@@ -3070,6 +3095,73 @@
           <a:lstStyle/>
           <a:p>
             <a:endParaRPr lang="en-US"/>
+          </a:p>
+        </p:txBody>
+      </p:sp>
+    </p:spTree>
+  </p:cSld>
+  <p:clrMapOvr>
+    <a:masterClrMapping/>
+  </p:clrMapOvr>
+</p:sld>
+</file>
+
+<file path=ppt/slides/slide2.xml><?xml version="1.0" encoding="utf-8"?>
+<p:sld xmlns:a="http://schemas.openxmlformats.org/drawingml/2006/main" xmlns:r="http://schemas.openxmlformats.org/officeDocument/2006/relationships" xmlns:p="http://schemas.openxmlformats.org/presentationml/2006/main">
+  <p:cSld>
+    <p:spTree>
+      <p:nvGrpSpPr>
+        <p:cNvPr id="1" name=""/>
+        <p:cNvGrpSpPr/>
+        <p:nvPr/>
+      </p:nvGrpSpPr>
+      <p:grpSpPr>
+        <a:xfrm>
+          <a:off x="0" y="0"/>
+          <a:ext cx="0" cy="0"/>
+          <a:chOff x="0" y="0"/>
+          <a:chExt cx="0" cy="0"/>
+        </a:xfrm>
+      </p:grpSpPr>
+      <p:sp>
+        <p:nvSpPr>
+          <p:cNvPr id="2" name="Title 1"/>
+          <p:cNvSpPr>
+            <a:spLocks noGrp="1"/>
+          </p:cNvSpPr>
+          <p:nvPr>
+            <p:ph type="title"/>
+          </p:nvPr>
+        </p:nvSpPr>
+        <p:spPr/>
+        <p:txBody>
+          <a:bodyPr/>
+          <a:lstStyle/>
+          <a:p>
+            <a:r>
+              <a:rPr lang="en-US" dirty="0" smtClean="0"/>
+              <a:t>Security with Linux</a:t>
+            </a:r>
+            <a:endParaRPr lang="en-US" dirty="0"/>
+          </a:p>
+        </p:txBody>
+      </p:sp>
+      <p:sp>
+        <p:nvSpPr>
+          <p:cNvPr id="3" name="Content Placeholder 2"/>
+          <p:cNvSpPr>
+            <a:spLocks noGrp="1"/>
+          </p:cNvSpPr>
+          <p:nvPr>
+            <p:ph idx="1"/>
+          </p:nvPr>
+        </p:nvSpPr>
+        <p:spPr/>
+        <p:txBody>
+          <a:bodyPr/>
+          <a:lstStyle/>
+          <a:p>
+            <a:endParaRPr lang="en-US" dirty="0"/>
           </a:p>
         </p:txBody>
       </p:sp>
